--- a/Task_A/Task_A.pptx
+++ b/Task_A/Task_A.pptx
@@ -12596,7 +12596,7 @@
           <a:p>
             <a:fld id="{3D6806B2-B832-49B1-AC20-43249B5DA149}" type="datetimeFigureOut">
               <a:rPr lang="en-US" smtClean="0"/>
-              <a:t>3/14/2022</a:t>
+              <a:t>3/15/2022</a:t>
             </a:fld>
             <a:endParaRPr lang="en-US"/>
           </a:p>
@@ -12817,7 +12817,7 @@
           <a:p>
             <a:fld id="{3D6806B2-B832-49B1-AC20-43249B5DA149}" type="datetimeFigureOut">
               <a:rPr lang="en-US" smtClean="0"/>
-              <a:t>3/14/2022</a:t>
+              <a:t>3/15/2022</a:t>
             </a:fld>
             <a:endParaRPr lang="en-US"/>
           </a:p>
@@ -12997,7 +12997,7 @@
           <a:p>
             <a:fld id="{3D6806B2-B832-49B1-AC20-43249B5DA149}" type="datetimeFigureOut">
               <a:rPr lang="en-US" smtClean="0"/>
-              <a:t>3/14/2022</a:t>
+              <a:t>3/15/2022</a:t>
             </a:fld>
             <a:endParaRPr lang="en-US"/>
           </a:p>
@@ -13167,7 +13167,7 @@
           <a:p>
             <a:fld id="{3D6806B2-B832-49B1-AC20-43249B5DA149}" type="datetimeFigureOut">
               <a:rPr lang="en-US" smtClean="0"/>
-              <a:t>3/14/2022</a:t>
+              <a:t>3/15/2022</a:t>
             </a:fld>
             <a:endParaRPr lang="en-US"/>
           </a:p>
@@ -13441,7 +13441,7 @@
           <a:p>
             <a:fld id="{3D6806B2-B832-49B1-AC20-43249B5DA149}" type="datetimeFigureOut">
               <a:rPr lang="en-US" smtClean="0"/>
-              <a:t>3/14/2022</a:t>
+              <a:t>3/15/2022</a:t>
             </a:fld>
             <a:endParaRPr lang="en-US"/>
           </a:p>
@@ -13764,7 +13764,7 @@
           <a:p>
             <a:fld id="{3D6806B2-B832-49B1-AC20-43249B5DA149}" type="datetimeFigureOut">
               <a:rPr lang="en-US" smtClean="0"/>
-              <a:t>3/14/2022</a:t>
+              <a:t>3/15/2022</a:t>
             </a:fld>
             <a:endParaRPr lang="en-US"/>
           </a:p>
@@ -14188,7 +14188,7 @@
           <a:p>
             <a:fld id="{3D6806B2-B832-49B1-AC20-43249B5DA149}" type="datetimeFigureOut">
               <a:rPr lang="en-US" smtClean="0"/>
-              <a:t>3/14/2022</a:t>
+              <a:t>3/15/2022</a:t>
             </a:fld>
             <a:endParaRPr lang="en-US"/>
           </a:p>
@@ -14306,7 +14306,7 @@
           <a:p>
             <a:fld id="{3D6806B2-B832-49B1-AC20-43249B5DA149}" type="datetimeFigureOut">
               <a:rPr lang="en-US" smtClean="0"/>
-              <a:t>3/14/2022</a:t>
+              <a:t>3/15/2022</a:t>
             </a:fld>
             <a:endParaRPr lang="en-US"/>
           </a:p>
@@ -14401,7 +14401,7 @@
           <a:p>
             <a:fld id="{3D6806B2-B832-49B1-AC20-43249B5DA149}" type="datetimeFigureOut">
               <a:rPr lang="en-US" smtClean="0"/>
-              <a:t>3/14/2022</a:t>
+              <a:t>3/15/2022</a:t>
             </a:fld>
             <a:endParaRPr lang="en-US"/>
           </a:p>
@@ -14691,7 +14691,7 @@
           <a:p>
             <a:fld id="{3D6806B2-B832-49B1-AC20-43249B5DA149}" type="datetimeFigureOut">
               <a:rPr lang="en-US" smtClean="0"/>
-              <a:t>3/14/2022</a:t>
+              <a:t>3/15/2022</a:t>
             </a:fld>
             <a:endParaRPr lang="en-US"/>
           </a:p>
@@ -14963,7 +14963,7 @@
           <a:p>
             <a:fld id="{3D6806B2-B832-49B1-AC20-43249B5DA149}" type="datetimeFigureOut">
               <a:rPr lang="en-US" smtClean="0"/>
-              <a:t>3/14/2022</a:t>
+              <a:t>3/15/2022</a:t>
             </a:fld>
             <a:endParaRPr lang="en-US"/>
           </a:p>
@@ -15217,7 +15217,7 @@
           <a:p>
             <a:fld id="{3D6806B2-B832-49B1-AC20-43249B5DA149}" type="datetimeFigureOut">
               <a:rPr lang="en-US" smtClean="0"/>
-              <a:t>3/14/2022</a:t>
+              <a:t>3/15/2022</a:t>
             </a:fld>
             <a:endParaRPr lang="en-US"/>
           </a:p>
@@ -15733,17 +15733,6 @@
               <a:rPr lang="en-US" dirty="0"/>
               <a:t>Prateek Arora</a:t>
             </a:r>
-          </a:p>
-          <a:p>
-            <a:r>
-              <a:rPr lang="en-US" dirty="0"/>
-              <a:t>Assignment for </a:t>
-            </a:r>
-            <a:r>
-              <a:rPr lang="en-US" dirty="0" err="1"/>
-              <a:t>AlloyTx</a:t>
-            </a:r>
-            <a:endParaRPr lang="en-US" dirty="0"/>
           </a:p>
         </p:txBody>
       </p:sp>
